--- a/src/assets/descriptions/Presentation1.pptx
+++ b/src/assets/descriptions/Presentation1.pptx
@@ -3536,44 +3536,6 @@
                 <a:latin typeface="Stencil" panose="040409050D0802020404" pitchFamily="82" charset="0"/>
               </a:rPr>
               <a:t>LIVE ONBOARD THE INTERNATIONAL SPACE STATION</a:t>
-            </a:r>
-          </a:p>
-        </p:txBody>
-      </p:sp>
-      <p:sp>
-        <p:nvSpPr>
-          <p:cNvPr id="3" name="TextBox 2">
-            <a:extLst>
-              <a:ext uri="{FF2B5EF4-FFF2-40B4-BE49-F238E27FC236}">
-                <a16:creationId xmlns:a16="http://schemas.microsoft.com/office/drawing/2014/main" id="{E07D9E0B-481D-4A6E-B309-D3BC1EFBA0D7}"/>
-              </a:ext>
-            </a:extLst>
-          </p:cNvPr>
-          <p:cNvSpPr txBox="1"/>
-          <p:nvPr/>
-        </p:nvSpPr>
-        <p:spPr>
-          <a:xfrm>
-            <a:off x="440053" y="5875419"/>
-            <a:ext cx="11003009" cy="830997"/>
-          </a:xfrm>
-          <a:prstGeom prst="rect">
-            <a:avLst/>
-          </a:prstGeom>
-          <a:noFill/>
-        </p:spPr>
-        <p:txBody>
-          <a:bodyPr wrap="square" rtlCol="0">
-            <a:spAutoFit/>
-          </a:bodyPr>
-          <a:lstStyle/>
-          <a:p>
-            <a:pPr algn="ctr"/>
-            <a:r>
-              <a:rPr lang="en-US" sz="4800" dirty="0">
-                <a:latin typeface="Stencil" panose="040409050D0802020404" pitchFamily="82" charset="0"/>
-              </a:rPr>
-              <a:t>CLICK TO LEARN MORE</a:t>
             </a:r>
           </a:p>
         </p:txBody>

--- a/src/assets/descriptions/Presentation1.pptx
+++ b/src/assets/descriptions/Presentation1.pptx
@@ -264,7 +264,7 @@
           <a:p>
             <a:fld id="{C89372FA-B91F-4272-8DD3-6D6B6F16C105}" type="datetimeFigureOut">
               <a:rPr lang="en-US" smtClean="0"/>
-              <a:t>5/24/2023</a:t>
+              <a:t>5/25/2023</a:t>
             </a:fld>
             <a:endParaRPr lang="en-US"/>
           </a:p>
@@ -462,7 +462,7 @@
           <a:p>
             <a:fld id="{C89372FA-B91F-4272-8DD3-6D6B6F16C105}" type="datetimeFigureOut">
               <a:rPr lang="en-US" smtClean="0"/>
-              <a:t>5/24/2023</a:t>
+              <a:t>5/25/2023</a:t>
             </a:fld>
             <a:endParaRPr lang="en-US"/>
           </a:p>
@@ -670,7 +670,7 @@
           <a:p>
             <a:fld id="{C89372FA-B91F-4272-8DD3-6D6B6F16C105}" type="datetimeFigureOut">
               <a:rPr lang="en-US" smtClean="0"/>
-              <a:t>5/24/2023</a:t>
+              <a:t>5/25/2023</a:t>
             </a:fld>
             <a:endParaRPr lang="en-US"/>
           </a:p>
@@ -868,7 +868,7 @@
           <a:p>
             <a:fld id="{C89372FA-B91F-4272-8DD3-6D6B6F16C105}" type="datetimeFigureOut">
               <a:rPr lang="en-US" smtClean="0"/>
-              <a:t>5/24/2023</a:t>
+              <a:t>5/25/2023</a:t>
             </a:fld>
             <a:endParaRPr lang="en-US"/>
           </a:p>
@@ -1143,7 +1143,7 @@
           <a:p>
             <a:fld id="{C89372FA-B91F-4272-8DD3-6D6B6F16C105}" type="datetimeFigureOut">
               <a:rPr lang="en-US" smtClean="0"/>
-              <a:t>5/24/2023</a:t>
+              <a:t>5/25/2023</a:t>
             </a:fld>
             <a:endParaRPr lang="en-US"/>
           </a:p>
@@ -1408,7 +1408,7 @@
           <a:p>
             <a:fld id="{C89372FA-B91F-4272-8DD3-6D6B6F16C105}" type="datetimeFigureOut">
               <a:rPr lang="en-US" smtClean="0"/>
-              <a:t>5/24/2023</a:t>
+              <a:t>5/25/2023</a:t>
             </a:fld>
             <a:endParaRPr lang="en-US"/>
           </a:p>
@@ -1820,7 +1820,7 @@
           <a:p>
             <a:fld id="{C89372FA-B91F-4272-8DD3-6D6B6F16C105}" type="datetimeFigureOut">
               <a:rPr lang="en-US" smtClean="0"/>
-              <a:t>5/24/2023</a:t>
+              <a:t>5/25/2023</a:t>
             </a:fld>
             <a:endParaRPr lang="en-US"/>
           </a:p>
@@ -1961,7 +1961,7 @@
           <a:p>
             <a:fld id="{C89372FA-B91F-4272-8DD3-6D6B6F16C105}" type="datetimeFigureOut">
               <a:rPr lang="en-US" smtClean="0"/>
-              <a:t>5/24/2023</a:t>
+              <a:t>5/25/2023</a:t>
             </a:fld>
             <a:endParaRPr lang="en-US"/>
           </a:p>
@@ -2074,7 +2074,7 @@
           <a:p>
             <a:fld id="{C89372FA-B91F-4272-8DD3-6D6B6F16C105}" type="datetimeFigureOut">
               <a:rPr lang="en-US" smtClean="0"/>
-              <a:t>5/24/2023</a:t>
+              <a:t>5/25/2023</a:t>
             </a:fld>
             <a:endParaRPr lang="en-US"/>
           </a:p>
@@ -2385,7 +2385,7 @@
           <a:p>
             <a:fld id="{C89372FA-B91F-4272-8DD3-6D6B6F16C105}" type="datetimeFigureOut">
               <a:rPr lang="en-US" smtClean="0"/>
-              <a:t>5/24/2023</a:t>
+              <a:t>5/25/2023</a:t>
             </a:fld>
             <a:endParaRPr lang="en-US"/>
           </a:p>
@@ -2673,7 +2673,7 @@
           <a:p>
             <a:fld id="{C89372FA-B91F-4272-8DD3-6D6B6F16C105}" type="datetimeFigureOut">
               <a:rPr lang="en-US" smtClean="0"/>
-              <a:t>5/24/2023</a:t>
+              <a:t>5/25/2023</a:t>
             </a:fld>
             <a:endParaRPr lang="en-US"/>
           </a:p>
@@ -2914,7 +2914,7 @@
           <a:p>
             <a:fld id="{C89372FA-B91F-4272-8DD3-6D6B6F16C105}" type="datetimeFigureOut">
               <a:rPr lang="en-US" smtClean="0"/>
-              <a:t>5/24/2023</a:t>
+              <a:t>5/25/2023</a:t>
             </a:fld>
             <a:endParaRPr lang="en-US"/>
           </a:p>
@@ -3422,6 +3422,970 @@
           </a:p>
         </p:txBody>
       </p:sp>
+      <p:pic>
+        <p:nvPicPr>
+          <p:cNvPr id="3" name="Picture 2">
+            <a:extLst>
+              <a:ext uri="{FF2B5EF4-FFF2-40B4-BE49-F238E27FC236}">
+                <a16:creationId xmlns:a16="http://schemas.microsoft.com/office/drawing/2014/main" id="{CF7EBEDA-38AD-25BD-6188-0F8371827F66}"/>
+              </a:ext>
+            </a:extLst>
+          </p:cNvPr>
+          <p:cNvPicPr>
+            <a:picLocks noChangeAspect="1"/>
+          </p:cNvPicPr>
+          <p:nvPr/>
+        </p:nvPicPr>
+        <p:blipFill>
+          <a:blip r:embed="rId2"/>
+          <a:stretch>
+            <a:fillRect/>
+          </a:stretch>
+        </p:blipFill>
+        <p:spPr>
+          <a:xfrm>
+            <a:off x="1066800" y="214312"/>
+            <a:ext cx="10058400" cy="6429375"/>
+          </a:xfrm>
+          <a:prstGeom prst="rect">
+            <a:avLst/>
+          </a:prstGeom>
+        </p:spPr>
+      </p:pic>
+      <p:sp>
+        <p:nvSpPr>
+          <p:cNvPr id="6" name="Rectangle 5">
+            <a:extLst>
+              <a:ext uri="{FF2B5EF4-FFF2-40B4-BE49-F238E27FC236}">
+                <a16:creationId xmlns:a16="http://schemas.microsoft.com/office/drawing/2014/main" id="{01F621E7-5249-5700-5FD3-B5BB2C099E72}"/>
+              </a:ext>
+            </a:extLst>
+          </p:cNvPr>
+          <p:cNvSpPr/>
+          <p:nvPr/>
+        </p:nvSpPr>
+        <p:spPr>
+          <a:xfrm>
+            <a:off x="1166948" y="267379"/>
+            <a:ext cx="2812869" cy="263843"/>
+          </a:xfrm>
+          <a:prstGeom prst="rect">
+            <a:avLst/>
+          </a:prstGeom>
+          <a:solidFill>
+            <a:srgbClr val="D73766"/>
+          </a:solidFill>
+          <a:ln>
+            <a:solidFill>
+              <a:srgbClr val="D73766"/>
+            </a:solidFill>
+          </a:ln>
+        </p:spPr>
+        <p:style>
+          <a:lnRef idx="2">
+            <a:schemeClr val="accent1">
+              <a:shade val="50000"/>
+            </a:schemeClr>
+          </a:lnRef>
+          <a:fillRef idx="1">
+            <a:schemeClr val="accent1"/>
+          </a:fillRef>
+          <a:effectRef idx="0">
+            <a:schemeClr val="accent1"/>
+          </a:effectRef>
+          <a:fontRef idx="minor">
+            <a:schemeClr val="lt1"/>
+          </a:fontRef>
+        </p:style>
+        <p:txBody>
+          <a:bodyPr rtlCol="0" anchor="ctr"/>
+          <a:lstStyle/>
+          <a:p>
+            <a:pPr algn="ctr"/>
+            <a:endParaRPr lang="en-US" dirty="0">
+              <a:solidFill>
+                <a:schemeClr val="bg1"/>
+              </a:solidFill>
+            </a:endParaRPr>
+          </a:p>
+        </p:txBody>
+      </p:sp>
+      <p:sp>
+        <p:nvSpPr>
+          <p:cNvPr id="7" name="Rectangle 6">
+            <a:extLst>
+              <a:ext uri="{FF2B5EF4-FFF2-40B4-BE49-F238E27FC236}">
+                <a16:creationId xmlns:a16="http://schemas.microsoft.com/office/drawing/2014/main" id="{4FC31AFE-2B9D-9BD7-51E8-558D1DEA63D2}"/>
+              </a:ext>
+            </a:extLst>
+          </p:cNvPr>
+          <p:cNvSpPr/>
+          <p:nvPr/>
+        </p:nvSpPr>
+        <p:spPr>
+          <a:xfrm>
+            <a:off x="1166947" y="3428999"/>
+            <a:ext cx="2812869" cy="263843"/>
+          </a:xfrm>
+          <a:prstGeom prst="rect">
+            <a:avLst/>
+          </a:prstGeom>
+          <a:solidFill>
+            <a:srgbClr val="D73766"/>
+          </a:solidFill>
+          <a:ln>
+            <a:solidFill>
+              <a:srgbClr val="D73766"/>
+            </a:solidFill>
+          </a:ln>
+        </p:spPr>
+        <p:style>
+          <a:lnRef idx="2">
+            <a:schemeClr val="accent1">
+              <a:shade val="50000"/>
+            </a:schemeClr>
+          </a:lnRef>
+          <a:fillRef idx="1">
+            <a:schemeClr val="accent1"/>
+          </a:fillRef>
+          <a:effectRef idx="0">
+            <a:schemeClr val="accent1"/>
+          </a:effectRef>
+          <a:fontRef idx="minor">
+            <a:schemeClr val="lt1"/>
+          </a:fontRef>
+        </p:style>
+        <p:txBody>
+          <a:bodyPr rtlCol="0" anchor="ctr"/>
+          <a:lstStyle/>
+          <a:p>
+            <a:pPr algn="ctr"/>
+            <a:endParaRPr lang="en-US" dirty="0"/>
+          </a:p>
+        </p:txBody>
+      </p:sp>
+      <p:sp>
+        <p:nvSpPr>
+          <p:cNvPr id="8" name="Rectangle 7">
+            <a:extLst>
+              <a:ext uri="{FF2B5EF4-FFF2-40B4-BE49-F238E27FC236}">
+                <a16:creationId xmlns:a16="http://schemas.microsoft.com/office/drawing/2014/main" id="{BD7353AB-5469-3AE6-D402-2FC3A699BD0E}"/>
+              </a:ext>
+            </a:extLst>
+          </p:cNvPr>
+          <p:cNvSpPr/>
+          <p:nvPr/>
+        </p:nvSpPr>
+        <p:spPr>
+          <a:xfrm>
+            <a:off x="7920445" y="306568"/>
+            <a:ext cx="2812869" cy="263843"/>
+          </a:xfrm>
+          <a:prstGeom prst="rect">
+            <a:avLst/>
+          </a:prstGeom>
+          <a:solidFill>
+            <a:srgbClr val="D73766"/>
+          </a:solidFill>
+          <a:ln>
+            <a:solidFill>
+              <a:srgbClr val="D73766"/>
+            </a:solidFill>
+          </a:ln>
+        </p:spPr>
+        <p:style>
+          <a:lnRef idx="2">
+            <a:schemeClr val="accent1">
+              <a:shade val="50000"/>
+            </a:schemeClr>
+          </a:lnRef>
+          <a:fillRef idx="1">
+            <a:schemeClr val="accent1"/>
+          </a:fillRef>
+          <a:effectRef idx="0">
+            <a:schemeClr val="accent1"/>
+          </a:effectRef>
+          <a:fontRef idx="minor">
+            <a:schemeClr val="lt1"/>
+          </a:fontRef>
+        </p:style>
+        <p:txBody>
+          <a:bodyPr rtlCol="0" anchor="ctr"/>
+          <a:lstStyle/>
+          <a:p>
+            <a:pPr algn="ctr"/>
+            <a:endParaRPr lang="en-US" dirty="0"/>
+          </a:p>
+        </p:txBody>
+      </p:sp>
+      <p:sp>
+        <p:nvSpPr>
+          <p:cNvPr id="9" name="Rectangle 8">
+            <a:extLst>
+              <a:ext uri="{FF2B5EF4-FFF2-40B4-BE49-F238E27FC236}">
+                <a16:creationId xmlns:a16="http://schemas.microsoft.com/office/drawing/2014/main" id="{BAACC341-C175-7D4B-A7B1-A8692F62ED27}"/>
+              </a:ext>
+            </a:extLst>
+          </p:cNvPr>
+          <p:cNvSpPr/>
+          <p:nvPr/>
+        </p:nvSpPr>
+        <p:spPr>
+          <a:xfrm>
+            <a:off x="7920444" y="3428999"/>
+            <a:ext cx="2812869" cy="263843"/>
+          </a:xfrm>
+          <a:prstGeom prst="rect">
+            <a:avLst/>
+          </a:prstGeom>
+          <a:solidFill>
+            <a:srgbClr val="D73766"/>
+          </a:solidFill>
+          <a:ln>
+            <a:solidFill>
+              <a:srgbClr val="D73766"/>
+            </a:solidFill>
+          </a:ln>
+        </p:spPr>
+        <p:style>
+          <a:lnRef idx="2">
+            <a:schemeClr val="accent1">
+              <a:shade val="50000"/>
+            </a:schemeClr>
+          </a:lnRef>
+          <a:fillRef idx="1">
+            <a:schemeClr val="accent1"/>
+          </a:fillRef>
+          <a:effectRef idx="0">
+            <a:schemeClr val="accent1"/>
+          </a:effectRef>
+          <a:fontRef idx="minor">
+            <a:schemeClr val="lt1"/>
+          </a:fontRef>
+        </p:style>
+        <p:txBody>
+          <a:bodyPr rtlCol="0" anchor="ctr"/>
+          <a:lstStyle/>
+          <a:p>
+            <a:pPr algn="ctr"/>
+            <a:endParaRPr lang="en-US" dirty="0"/>
+          </a:p>
+        </p:txBody>
+      </p:sp>
+      <p:sp>
+        <p:nvSpPr>
+          <p:cNvPr id="10" name="Rectangle 9">
+            <a:extLst>
+              <a:ext uri="{FF2B5EF4-FFF2-40B4-BE49-F238E27FC236}">
+                <a16:creationId xmlns:a16="http://schemas.microsoft.com/office/drawing/2014/main" id="{810C5DE8-65E8-719D-A801-1099C3FFD5CD}"/>
+              </a:ext>
+            </a:extLst>
+          </p:cNvPr>
+          <p:cNvSpPr/>
+          <p:nvPr/>
+        </p:nvSpPr>
+        <p:spPr>
+          <a:xfrm>
+            <a:off x="8538754" y="898751"/>
+            <a:ext cx="552995" cy="164510"/>
+          </a:xfrm>
+          <a:prstGeom prst="rect">
+            <a:avLst/>
+          </a:prstGeom>
+          <a:solidFill>
+            <a:srgbClr val="D73766"/>
+          </a:solidFill>
+          <a:ln>
+            <a:solidFill>
+              <a:srgbClr val="D73766"/>
+            </a:solidFill>
+          </a:ln>
+        </p:spPr>
+        <p:style>
+          <a:lnRef idx="2">
+            <a:schemeClr val="accent1">
+              <a:shade val="50000"/>
+            </a:schemeClr>
+          </a:lnRef>
+          <a:fillRef idx="1">
+            <a:schemeClr val="accent1"/>
+          </a:fillRef>
+          <a:effectRef idx="0">
+            <a:schemeClr val="accent1"/>
+          </a:effectRef>
+          <a:fontRef idx="minor">
+            <a:schemeClr val="lt1"/>
+          </a:fontRef>
+        </p:style>
+        <p:txBody>
+          <a:bodyPr rtlCol="0" anchor="ctr"/>
+          <a:lstStyle/>
+          <a:p>
+            <a:pPr algn="ctr"/>
+            <a:endParaRPr lang="en-US" dirty="0"/>
+          </a:p>
+        </p:txBody>
+      </p:sp>
+      <p:sp>
+        <p:nvSpPr>
+          <p:cNvPr id="12" name="Rectangle 11">
+            <a:extLst>
+              <a:ext uri="{FF2B5EF4-FFF2-40B4-BE49-F238E27FC236}">
+                <a16:creationId xmlns:a16="http://schemas.microsoft.com/office/drawing/2014/main" id="{F5794B11-3FC3-8859-4EB3-4C8B5431B5A2}"/>
+              </a:ext>
+            </a:extLst>
+          </p:cNvPr>
+          <p:cNvSpPr/>
+          <p:nvPr/>
+        </p:nvSpPr>
+        <p:spPr>
+          <a:xfrm>
+            <a:off x="9326878" y="876026"/>
+            <a:ext cx="740231" cy="164510"/>
+          </a:xfrm>
+          <a:prstGeom prst="rect">
+            <a:avLst/>
+          </a:prstGeom>
+          <a:solidFill>
+            <a:srgbClr val="D73766"/>
+          </a:solidFill>
+          <a:ln>
+            <a:solidFill>
+              <a:srgbClr val="D73766"/>
+            </a:solidFill>
+          </a:ln>
+        </p:spPr>
+        <p:style>
+          <a:lnRef idx="2">
+            <a:schemeClr val="accent1">
+              <a:shade val="50000"/>
+            </a:schemeClr>
+          </a:lnRef>
+          <a:fillRef idx="1">
+            <a:schemeClr val="accent1"/>
+          </a:fillRef>
+          <a:effectRef idx="0">
+            <a:schemeClr val="accent1"/>
+          </a:effectRef>
+          <a:fontRef idx="minor">
+            <a:schemeClr val="lt1"/>
+          </a:fontRef>
+        </p:style>
+        <p:txBody>
+          <a:bodyPr rtlCol="0" anchor="ctr"/>
+          <a:lstStyle/>
+          <a:p>
+            <a:pPr algn="ctr"/>
+            <a:endParaRPr lang="en-US" dirty="0"/>
+          </a:p>
+        </p:txBody>
+      </p:sp>
+      <p:sp>
+        <p:nvSpPr>
+          <p:cNvPr id="13" name="Rectangle 12">
+            <a:extLst>
+              <a:ext uri="{FF2B5EF4-FFF2-40B4-BE49-F238E27FC236}">
+                <a16:creationId xmlns:a16="http://schemas.microsoft.com/office/drawing/2014/main" id="{6A10E9AB-8452-8DC0-179D-D8E46CBB73D8}"/>
+              </a:ext>
+            </a:extLst>
+          </p:cNvPr>
+          <p:cNvSpPr/>
+          <p:nvPr/>
+        </p:nvSpPr>
+        <p:spPr>
+          <a:xfrm flipV="1">
+            <a:off x="10319657" y="899159"/>
+            <a:ext cx="552995" cy="156209"/>
+          </a:xfrm>
+          <a:prstGeom prst="rect">
+            <a:avLst/>
+          </a:prstGeom>
+          <a:solidFill>
+            <a:srgbClr val="D73766"/>
+          </a:solidFill>
+          <a:ln>
+            <a:solidFill>
+              <a:srgbClr val="D73766"/>
+            </a:solidFill>
+          </a:ln>
+        </p:spPr>
+        <p:style>
+          <a:lnRef idx="2">
+            <a:schemeClr val="accent1">
+              <a:shade val="50000"/>
+            </a:schemeClr>
+          </a:lnRef>
+          <a:fillRef idx="1">
+            <a:schemeClr val="accent1"/>
+          </a:fillRef>
+          <a:effectRef idx="0">
+            <a:schemeClr val="accent1"/>
+          </a:effectRef>
+          <a:fontRef idx="minor">
+            <a:schemeClr val="lt1"/>
+          </a:fontRef>
+        </p:style>
+        <p:txBody>
+          <a:bodyPr rtlCol="0" anchor="ctr"/>
+          <a:lstStyle/>
+          <a:p>
+            <a:pPr algn="ctr"/>
+            <a:endParaRPr lang="en-US" dirty="0"/>
+          </a:p>
+        </p:txBody>
+      </p:sp>
+      <p:sp>
+        <p:nvSpPr>
+          <p:cNvPr id="14" name="Rectangle 13">
+            <a:extLst>
+              <a:ext uri="{FF2B5EF4-FFF2-40B4-BE49-F238E27FC236}">
+                <a16:creationId xmlns:a16="http://schemas.microsoft.com/office/drawing/2014/main" id="{7EA0E81C-0590-B810-F443-575B34465E54}"/>
+              </a:ext>
+            </a:extLst>
+          </p:cNvPr>
+          <p:cNvSpPr/>
+          <p:nvPr/>
+        </p:nvSpPr>
+        <p:spPr>
+          <a:xfrm>
+            <a:off x="10319657" y="4153989"/>
+            <a:ext cx="552995" cy="177861"/>
+          </a:xfrm>
+          <a:prstGeom prst="rect">
+            <a:avLst/>
+          </a:prstGeom>
+          <a:solidFill>
+            <a:srgbClr val="D73766"/>
+          </a:solidFill>
+          <a:ln>
+            <a:solidFill>
+              <a:srgbClr val="D73766"/>
+            </a:solidFill>
+          </a:ln>
+        </p:spPr>
+        <p:style>
+          <a:lnRef idx="2">
+            <a:schemeClr val="accent1">
+              <a:shade val="50000"/>
+            </a:schemeClr>
+          </a:lnRef>
+          <a:fillRef idx="1">
+            <a:schemeClr val="accent1"/>
+          </a:fillRef>
+          <a:effectRef idx="0">
+            <a:schemeClr val="accent1"/>
+          </a:effectRef>
+          <a:fontRef idx="minor">
+            <a:schemeClr val="lt1"/>
+          </a:fontRef>
+        </p:style>
+        <p:txBody>
+          <a:bodyPr rtlCol="0" anchor="ctr"/>
+          <a:lstStyle/>
+          <a:p>
+            <a:pPr algn="ctr"/>
+            <a:endParaRPr lang="en-US" dirty="0"/>
+          </a:p>
+        </p:txBody>
+      </p:sp>
+      <p:sp>
+        <p:nvSpPr>
+          <p:cNvPr id="15" name="Rectangle 14">
+            <a:extLst>
+              <a:ext uri="{FF2B5EF4-FFF2-40B4-BE49-F238E27FC236}">
+                <a16:creationId xmlns:a16="http://schemas.microsoft.com/office/drawing/2014/main" id="{E2E4AB2A-1E35-1146-02AB-0FBE50ED2A3F}"/>
+              </a:ext>
+            </a:extLst>
+          </p:cNvPr>
+          <p:cNvSpPr/>
+          <p:nvPr/>
+        </p:nvSpPr>
+        <p:spPr>
+          <a:xfrm>
+            <a:off x="8538754" y="4153989"/>
+            <a:ext cx="552995" cy="164510"/>
+          </a:xfrm>
+          <a:prstGeom prst="rect">
+            <a:avLst/>
+          </a:prstGeom>
+          <a:solidFill>
+            <a:srgbClr val="D73766"/>
+          </a:solidFill>
+          <a:ln>
+            <a:solidFill>
+              <a:srgbClr val="D73766"/>
+            </a:solidFill>
+          </a:ln>
+        </p:spPr>
+        <p:style>
+          <a:lnRef idx="2">
+            <a:schemeClr val="accent1">
+              <a:shade val="50000"/>
+            </a:schemeClr>
+          </a:lnRef>
+          <a:fillRef idx="1">
+            <a:schemeClr val="accent1"/>
+          </a:fillRef>
+          <a:effectRef idx="0">
+            <a:schemeClr val="accent1"/>
+          </a:effectRef>
+          <a:fontRef idx="minor">
+            <a:schemeClr val="lt1"/>
+          </a:fontRef>
+        </p:style>
+        <p:txBody>
+          <a:bodyPr rtlCol="0" anchor="ctr"/>
+          <a:lstStyle/>
+          <a:p>
+            <a:pPr algn="ctr"/>
+            <a:endParaRPr lang="en-US" dirty="0"/>
+          </a:p>
+        </p:txBody>
+      </p:sp>
+      <p:sp>
+        <p:nvSpPr>
+          <p:cNvPr id="16" name="Rectangle 15">
+            <a:extLst>
+              <a:ext uri="{FF2B5EF4-FFF2-40B4-BE49-F238E27FC236}">
+                <a16:creationId xmlns:a16="http://schemas.microsoft.com/office/drawing/2014/main" id="{941FCB8C-072E-E2DB-FF23-37F52D73A546}"/>
+              </a:ext>
+            </a:extLst>
+          </p:cNvPr>
+          <p:cNvSpPr/>
+          <p:nvPr/>
+        </p:nvSpPr>
+        <p:spPr>
+          <a:xfrm>
+            <a:off x="9326878" y="4139157"/>
+            <a:ext cx="740231" cy="164510"/>
+          </a:xfrm>
+          <a:prstGeom prst="rect">
+            <a:avLst/>
+          </a:prstGeom>
+          <a:solidFill>
+            <a:srgbClr val="D73766"/>
+          </a:solidFill>
+          <a:ln>
+            <a:solidFill>
+              <a:srgbClr val="D73766"/>
+            </a:solidFill>
+          </a:ln>
+        </p:spPr>
+        <p:style>
+          <a:lnRef idx="2">
+            <a:schemeClr val="accent1">
+              <a:shade val="50000"/>
+            </a:schemeClr>
+          </a:lnRef>
+          <a:fillRef idx="1">
+            <a:schemeClr val="accent1"/>
+          </a:fillRef>
+          <a:effectRef idx="0">
+            <a:schemeClr val="accent1"/>
+          </a:effectRef>
+          <a:fontRef idx="minor">
+            <a:schemeClr val="lt1"/>
+          </a:fontRef>
+        </p:style>
+        <p:txBody>
+          <a:bodyPr rtlCol="0" anchor="ctr"/>
+          <a:lstStyle/>
+          <a:p>
+            <a:pPr algn="ctr"/>
+            <a:endParaRPr lang="en-US" dirty="0"/>
+          </a:p>
+        </p:txBody>
+      </p:sp>
+      <p:sp>
+        <p:nvSpPr>
+          <p:cNvPr id="17" name="TextBox 16">
+            <a:extLst>
+              <a:ext uri="{FF2B5EF4-FFF2-40B4-BE49-F238E27FC236}">
+                <a16:creationId xmlns:a16="http://schemas.microsoft.com/office/drawing/2014/main" id="{5645FB89-AC68-EB9B-B45F-CD87EB34E44B}"/>
+              </a:ext>
+            </a:extLst>
+          </p:cNvPr>
+          <p:cNvSpPr txBox="1"/>
+          <p:nvPr/>
+        </p:nvSpPr>
+        <p:spPr>
+          <a:xfrm>
+            <a:off x="3814084" y="224327"/>
+            <a:ext cx="1584960" cy="369332"/>
+          </a:xfrm>
+          <a:prstGeom prst="rect">
+            <a:avLst/>
+          </a:prstGeom>
+          <a:noFill/>
+        </p:spPr>
+        <p:txBody>
+          <a:bodyPr wrap="square" rtlCol="0">
+            <a:spAutoFit/>
+          </a:bodyPr>
+          <a:lstStyle/>
+          <a:p>
+            <a:r>
+              <a:rPr lang="en-US" dirty="0">
+                <a:solidFill>
+                  <a:schemeClr val="bg1"/>
+                </a:solidFill>
+              </a:rPr>
+              <a:t>Men’s Shirt</a:t>
+            </a:r>
+          </a:p>
+        </p:txBody>
+      </p:sp>
+      <p:sp>
+        <p:nvSpPr>
+          <p:cNvPr id="18" name="TextBox 17">
+            <a:extLst>
+              <a:ext uri="{FF2B5EF4-FFF2-40B4-BE49-F238E27FC236}">
+                <a16:creationId xmlns:a16="http://schemas.microsoft.com/office/drawing/2014/main" id="{D1728D2D-6072-F0F3-E4D1-9DE1DB9F5035}"/>
+              </a:ext>
+            </a:extLst>
+          </p:cNvPr>
+          <p:cNvSpPr txBox="1"/>
+          <p:nvPr/>
+        </p:nvSpPr>
+        <p:spPr>
+          <a:xfrm>
+            <a:off x="3694612" y="3417220"/>
+            <a:ext cx="1584960" cy="369332"/>
+          </a:xfrm>
+          <a:prstGeom prst="rect">
+            <a:avLst/>
+          </a:prstGeom>
+          <a:noFill/>
+        </p:spPr>
+        <p:txBody>
+          <a:bodyPr wrap="square" rtlCol="0">
+            <a:spAutoFit/>
+          </a:bodyPr>
+          <a:lstStyle/>
+          <a:p>
+            <a:r>
+              <a:rPr lang="en-US" dirty="0">
+                <a:solidFill>
+                  <a:schemeClr val="bg1"/>
+                </a:solidFill>
+              </a:rPr>
+              <a:t>Women’s Shirt</a:t>
+            </a:r>
+          </a:p>
+        </p:txBody>
+      </p:sp>
+      <p:sp>
+        <p:nvSpPr>
+          <p:cNvPr id="19" name="TextBox 18">
+            <a:extLst>
+              <a:ext uri="{FF2B5EF4-FFF2-40B4-BE49-F238E27FC236}">
+                <a16:creationId xmlns:a16="http://schemas.microsoft.com/office/drawing/2014/main" id="{B155FAB3-4236-93FA-D99E-3B093E95B04D}"/>
+              </a:ext>
+            </a:extLst>
+          </p:cNvPr>
+          <p:cNvSpPr txBox="1"/>
+          <p:nvPr/>
+        </p:nvSpPr>
+        <p:spPr>
+          <a:xfrm>
+            <a:off x="8519160" y="773615"/>
+            <a:ext cx="592182" cy="369332"/>
+          </a:xfrm>
+          <a:prstGeom prst="rect">
+            <a:avLst/>
+          </a:prstGeom>
+          <a:noFill/>
+        </p:spPr>
+        <p:txBody>
+          <a:bodyPr wrap="square" rtlCol="0">
+            <a:spAutoFit/>
+          </a:bodyPr>
+          <a:lstStyle/>
+          <a:p>
+            <a:r>
+              <a:rPr lang="en-US" dirty="0">
+                <a:solidFill>
+                  <a:schemeClr val="bg1"/>
+                </a:solidFill>
+              </a:rPr>
+              <a:t>Bust</a:t>
+            </a:r>
+          </a:p>
+        </p:txBody>
+      </p:sp>
+      <p:sp>
+        <p:nvSpPr>
+          <p:cNvPr id="21" name="TextBox 20">
+            <a:extLst>
+              <a:ext uri="{FF2B5EF4-FFF2-40B4-BE49-F238E27FC236}">
+                <a16:creationId xmlns:a16="http://schemas.microsoft.com/office/drawing/2014/main" id="{63B72A22-5DD3-46AD-E073-D861C1E08B34}"/>
+              </a:ext>
+            </a:extLst>
+          </p:cNvPr>
+          <p:cNvSpPr txBox="1"/>
+          <p:nvPr/>
+        </p:nvSpPr>
+        <p:spPr>
+          <a:xfrm>
+            <a:off x="8538754" y="4036746"/>
+            <a:ext cx="592182" cy="369332"/>
+          </a:xfrm>
+          <a:prstGeom prst="rect">
+            <a:avLst/>
+          </a:prstGeom>
+          <a:noFill/>
+        </p:spPr>
+        <p:txBody>
+          <a:bodyPr wrap="square" rtlCol="0">
+            <a:spAutoFit/>
+          </a:bodyPr>
+          <a:lstStyle/>
+          <a:p>
+            <a:r>
+              <a:rPr lang="en-US" dirty="0">
+                <a:solidFill>
+                  <a:schemeClr val="bg1"/>
+                </a:solidFill>
+              </a:rPr>
+              <a:t>Bust</a:t>
+            </a:r>
+          </a:p>
+        </p:txBody>
+      </p:sp>
+      <p:sp>
+        <p:nvSpPr>
+          <p:cNvPr id="22" name="TextBox 21">
+            <a:extLst>
+              <a:ext uri="{FF2B5EF4-FFF2-40B4-BE49-F238E27FC236}">
+                <a16:creationId xmlns:a16="http://schemas.microsoft.com/office/drawing/2014/main" id="{8E5F0604-FBED-8A62-52EF-7CBD254A72A6}"/>
+              </a:ext>
+            </a:extLst>
+          </p:cNvPr>
+          <p:cNvSpPr txBox="1"/>
+          <p:nvPr/>
+        </p:nvSpPr>
+        <p:spPr>
+          <a:xfrm>
+            <a:off x="9378859" y="4043209"/>
+            <a:ext cx="740231" cy="369332"/>
+          </a:xfrm>
+          <a:prstGeom prst="rect">
+            <a:avLst/>
+          </a:prstGeom>
+          <a:noFill/>
+        </p:spPr>
+        <p:txBody>
+          <a:bodyPr wrap="square" rtlCol="0">
+            <a:spAutoFit/>
+          </a:bodyPr>
+          <a:lstStyle/>
+          <a:p>
+            <a:r>
+              <a:rPr lang="en-US" dirty="0">
+                <a:solidFill>
+                  <a:schemeClr val="bg1"/>
+                </a:solidFill>
+              </a:rPr>
+              <a:t>Waist</a:t>
+            </a:r>
+          </a:p>
+        </p:txBody>
+      </p:sp>
+      <p:sp>
+        <p:nvSpPr>
+          <p:cNvPr id="23" name="TextBox 22">
+            <a:extLst>
+              <a:ext uri="{FF2B5EF4-FFF2-40B4-BE49-F238E27FC236}">
+                <a16:creationId xmlns:a16="http://schemas.microsoft.com/office/drawing/2014/main" id="{46EDBCE5-12AE-438B-4ACA-B43C03A4E9B7}"/>
+              </a:ext>
+            </a:extLst>
+          </p:cNvPr>
+          <p:cNvSpPr txBox="1"/>
+          <p:nvPr/>
+        </p:nvSpPr>
+        <p:spPr>
+          <a:xfrm>
+            <a:off x="9363890" y="780401"/>
+            <a:ext cx="740231" cy="369332"/>
+          </a:xfrm>
+          <a:prstGeom prst="rect">
+            <a:avLst/>
+          </a:prstGeom>
+          <a:noFill/>
+        </p:spPr>
+        <p:txBody>
+          <a:bodyPr wrap="square" rtlCol="0">
+            <a:spAutoFit/>
+          </a:bodyPr>
+          <a:lstStyle/>
+          <a:p>
+            <a:r>
+              <a:rPr lang="en-US" dirty="0">
+                <a:solidFill>
+                  <a:schemeClr val="bg1"/>
+                </a:solidFill>
+              </a:rPr>
+              <a:t>Waist</a:t>
+            </a:r>
+          </a:p>
+        </p:txBody>
+      </p:sp>
+      <p:sp>
+        <p:nvSpPr>
+          <p:cNvPr id="24" name="TextBox 23">
+            <a:extLst>
+              <a:ext uri="{FF2B5EF4-FFF2-40B4-BE49-F238E27FC236}">
+                <a16:creationId xmlns:a16="http://schemas.microsoft.com/office/drawing/2014/main" id="{896C300D-29B1-B2FC-E9C2-48D4DE496BD0}"/>
+              </a:ext>
+            </a:extLst>
+          </p:cNvPr>
+          <p:cNvSpPr txBox="1"/>
+          <p:nvPr/>
+        </p:nvSpPr>
+        <p:spPr>
+          <a:xfrm>
+            <a:off x="10269583" y="4036746"/>
+            <a:ext cx="740231" cy="369332"/>
+          </a:xfrm>
+          <a:prstGeom prst="rect">
+            <a:avLst/>
+          </a:prstGeom>
+          <a:noFill/>
+        </p:spPr>
+        <p:txBody>
+          <a:bodyPr wrap="square" rtlCol="0">
+            <a:spAutoFit/>
+          </a:bodyPr>
+          <a:lstStyle/>
+          <a:p>
+            <a:r>
+              <a:rPr lang="en-US" dirty="0">
+                <a:solidFill>
+                  <a:schemeClr val="bg1"/>
+                </a:solidFill>
+              </a:rPr>
+              <a:t>Hem</a:t>
+            </a:r>
+          </a:p>
+        </p:txBody>
+      </p:sp>
+      <p:sp>
+        <p:nvSpPr>
+          <p:cNvPr id="25" name="TextBox 24">
+            <a:extLst>
+              <a:ext uri="{FF2B5EF4-FFF2-40B4-BE49-F238E27FC236}">
+                <a16:creationId xmlns:a16="http://schemas.microsoft.com/office/drawing/2014/main" id="{86D9E301-F81A-ABE0-146E-D3C67310FB5A}"/>
+              </a:ext>
+            </a:extLst>
+          </p:cNvPr>
+          <p:cNvSpPr txBox="1"/>
+          <p:nvPr/>
+        </p:nvSpPr>
+        <p:spPr>
+          <a:xfrm>
+            <a:off x="10295709" y="780401"/>
+            <a:ext cx="740231" cy="369332"/>
+          </a:xfrm>
+          <a:prstGeom prst="rect">
+            <a:avLst/>
+          </a:prstGeom>
+          <a:noFill/>
+        </p:spPr>
+        <p:txBody>
+          <a:bodyPr wrap="square" rtlCol="0">
+            <a:spAutoFit/>
+          </a:bodyPr>
+          <a:lstStyle/>
+          <a:p>
+            <a:r>
+              <a:rPr lang="en-US" dirty="0">
+                <a:solidFill>
+                  <a:schemeClr val="bg1"/>
+                </a:solidFill>
+              </a:rPr>
+              <a:t>Hem</a:t>
+            </a:r>
+          </a:p>
+        </p:txBody>
+      </p:sp>
+      <p:sp>
+        <p:nvSpPr>
+          <p:cNvPr id="26" name="TextBox 25">
+            <a:extLst>
+              <a:ext uri="{FF2B5EF4-FFF2-40B4-BE49-F238E27FC236}">
+                <a16:creationId xmlns:a16="http://schemas.microsoft.com/office/drawing/2014/main" id="{220CB694-3ED7-4462-DA1C-7E84A104022B}"/>
+              </a:ext>
+            </a:extLst>
+          </p:cNvPr>
+          <p:cNvSpPr txBox="1"/>
+          <p:nvPr/>
+        </p:nvSpPr>
+        <p:spPr>
+          <a:xfrm>
+            <a:off x="9220200" y="3450720"/>
+            <a:ext cx="740231" cy="369332"/>
+          </a:xfrm>
+          <a:prstGeom prst="rect">
+            <a:avLst/>
+          </a:prstGeom>
+          <a:noFill/>
+        </p:spPr>
+        <p:txBody>
+          <a:bodyPr wrap="square" rtlCol="0">
+            <a:spAutoFit/>
+          </a:bodyPr>
+          <a:lstStyle/>
+          <a:p>
+            <a:r>
+              <a:rPr lang="en-US" dirty="0">
+                <a:solidFill>
+                  <a:schemeClr val="bg1"/>
+                </a:solidFill>
+              </a:rPr>
+              <a:t>Size</a:t>
+            </a:r>
+          </a:p>
+        </p:txBody>
+      </p:sp>
+      <p:sp>
+        <p:nvSpPr>
+          <p:cNvPr id="27" name="TextBox 26">
+            <a:extLst>
+              <a:ext uri="{FF2B5EF4-FFF2-40B4-BE49-F238E27FC236}">
+                <a16:creationId xmlns:a16="http://schemas.microsoft.com/office/drawing/2014/main" id="{4854C1EC-A501-2F2A-05DE-87C2C1FC7721}"/>
+              </a:ext>
+            </a:extLst>
+          </p:cNvPr>
+          <p:cNvSpPr txBox="1"/>
+          <p:nvPr/>
+        </p:nvSpPr>
+        <p:spPr>
+          <a:xfrm>
+            <a:off x="9220199" y="223341"/>
+            <a:ext cx="740231" cy="369332"/>
+          </a:xfrm>
+          <a:prstGeom prst="rect">
+            <a:avLst/>
+          </a:prstGeom>
+          <a:noFill/>
+        </p:spPr>
+        <p:txBody>
+          <a:bodyPr wrap="square" rtlCol="0">
+            <a:spAutoFit/>
+          </a:bodyPr>
+          <a:lstStyle/>
+          <a:p>
+            <a:r>
+              <a:rPr lang="en-US" dirty="0">
+                <a:solidFill>
+                  <a:schemeClr val="bg1"/>
+                </a:solidFill>
+              </a:rPr>
+              <a:t>Size</a:t>
+            </a:r>
+          </a:p>
+        </p:txBody>
+      </p:sp>
     </p:spTree>
     <p:extLst>
       <p:ext uri="{BB962C8B-B14F-4D97-AF65-F5344CB8AC3E}">
@@ -4582,6 +5546,102 @@
           <a:chExt cx="0" cy="0"/>
         </a:xfrm>
       </p:grpSpPr>
+      <p:pic>
+        <p:nvPicPr>
+          <p:cNvPr id="3" name="Picture 2" descr="A picture containing screenshot, cartoon, illustration, winter&#10;&#10;Description automatically generated">
+            <a:extLst>
+              <a:ext uri="{FF2B5EF4-FFF2-40B4-BE49-F238E27FC236}">
+                <a16:creationId xmlns:a16="http://schemas.microsoft.com/office/drawing/2014/main" id="{916D5A4F-0A20-2641-37BF-F94A02F42751}"/>
+              </a:ext>
+            </a:extLst>
+          </p:cNvPr>
+          <p:cNvPicPr>
+            <a:picLocks noChangeAspect="1"/>
+          </p:cNvPicPr>
+          <p:nvPr/>
+        </p:nvPicPr>
+        <p:blipFill>
+          <a:blip r:embed="rId2">
+            <a:extLst>
+              <a:ext uri="{28A0092B-C50C-407E-A947-70E740481C1C}">
+                <a14:useLocalDpi xmlns:a14="http://schemas.microsoft.com/office/drawing/2010/main" val="0"/>
+              </a:ext>
+            </a:extLst>
+          </a:blip>
+          <a:stretch>
+            <a:fillRect/>
+          </a:stretch>
+        </p:blipFill>
+        <p:spPr>
+          <a:xfrm>
+            <a:off x="0" y="0"/>
+            <a:ext cx="12192000" cy="6858000"/>
+          </a:xfrm>
+          <a:prstGeom prst="rect">
+            <a:avLst/>
+          </a:prstGeom>
+        </p:spPr>
+      </p:pic>
+      <p:pic>
+        <p:nvPicPr>
+          <p:cNvPr id="5" name="Picture 4">
+            <a:extLst>
+              <a:ext uri="{FF2B5EF4-FFF2-40B4-BE49-F238E27FC236}">
+                <a16:creationId xmlns:a16="http://schemas.microsoft.com/office/drawing/2014/main" id="{DDFBB16C-D1B4-7DE9-F1AF-E14CE0FE28E0}"/>
+              </a:ext>
+            </a:extLst>
+          </p:cNvPr>
+          <p:cNvPicPr>
+            <a:picLocks noChangeAspect="1"/>
+          </p:cNvPicPr>
+          <p:nvPr/>
+        </p:nvPicPr>
+        <p:blipFill>
+          <a:blip r:embed="rId3"/>
+          <a:stretch>
+            <a:fillRect/>
+          </a:stretch>
+        </p:blipFill>
+        <p:spPr>
+          <a:xfrm>
+            <a:off x="6829425" y="2571750"/>
+            <a:ext cx="5362575" cy="4286250"/>
+          </a:xfrm>
+          <a:prstGeom prst="rect">
+            <a:avLst/>
+          </a:prstGeom>
+        </p:spPr>
+      </p:pic>
+      <p:pic>
+        <p:nvPicPr>
+          <p:cNvPr id="7" name="Picture 6">
+            <a:extLst>
+              <a:ext uri="{FF2B5EF4-FFF2-40B4-BE49-F238E27FC236}">
+                <a16:creationId xmlns:a16="http://schemas.microsoft.com/office/drawing/2014/main" id="{B85D63DC-B80E-8F1C-0EB7-4F5E13585E9F}"/>
+              </a:ext>
+            </a:extLst>
+          </p:cNvPr>
+          <p:cNvPicPr>
+            <a:picLocks noChangeAspect="1"/>
+          </p:cNvPicPr>
+          <p:nvPr/>
+        </p:nvPicPr>
+        <p:blipFill>
+          <a:blip r:embed="rId4"/>
+          <a:stretch>
+            <a:fillRect/>
+          </a:stretch>
+        </p:blipFill>
+        <p:spPr>
+          <a:xfrm>
+            <a:off x="1828800" y="2195512"/>
+            <a:ext cx="5000625" cy="4662488"/>
+          </a:xfrm>
+          <a:prstGeom prst="rect">
+            <a:avLst/>
+          </a:prstGeom>
+        </p:spPr>
+      </p:pic>
     </p:spTree>
     <p:extLst>
       <p:ext uri="{BB962C8B-B14F-4D97-AF65-F5344CB8AC3E}">
